--- a/презентация.pptx
+++ b/презентация.pptx
@@ -111,7 +111,7 @@
   </p:defaultTextStyle>
   <p:extLst>
     <p:ext uri="{EFAFB233-063F-42B5-8137-9DF3F51BA10A}">
-      <p15:sldGuideLst xmlns:p15="http://schemas.microsoft.com/office/powerpoint/2012/main"/>
+      <p15:sldGuideLst xmlns:p15="http://schemas.microsoft.com/office/powerpoint/2012/main" xmlns=""/>
     </p:ext>
   </p:extLst>
 </p:presentation>
@@ -220,7 +220,7 @@
           <a:effectLst/>
           <a:extLst>
             <a:ext uri="{91240B29-F687-4f45-9708-019B960494DF}">
-              <a14:hiddenLine xmlns="" xmlns:a14="http://schemas.microsoft.com/office/drawing/2010/main" w="9525">
+              <a14:hiddenLine xmlns:a14="http://schemas.microsoft.com/office/drawing/2010/main" xmlns="" w="9525">
                 <a:solidFill>
                   <a:srgbClr val="000000"/>
                 </a:solidFill>
@@ -411,7 +411,7 @@
             <a:fld id="{08B9EBBA-996F-894A-B54A-D6246ED52CEA}" type="datetimeFigureOut">
               <a:rPr lang="en-US" dirty="0"/>
               <a:pPr/>
-              <a:t>1/11/2024</a:t>
+              <a:t>1/15/2024</a:t>
             </a:fld>
             <a:endParaRPr lang="en-US" dirty="0"/>
           </a:p>
@@ -463,7 +463,7 @@
     </p:spTree>
     <p:extLst>
       <p:ext uri="{BB962C8B-B14F-4D97-AF65-F5344CB8AC3E}">
-        <p14:creationId xmlns:p14="http://schemas.microsoft.com/office/powerpoint/2010/main" val="745174261"/>
+        <p14:creationId xmlns:p14="http://schemas.microsoft.com/office/powerpoint/2010/main" xmlns="" val="745174261"/>
       </p:ext>
     </p:extLst>
   </p:cSld>
@@ -726,7 +726,7 @@
             <a:fld id="{18C79C5D-2A6F-F04D-97DA-BEF2467B64E4}" type="datetimeFigureOut">
               <a:rPr lang="en-US" dirty="0"/>
               <a:pPr/>
-              <a:t>1/11/2024</a:t>
+              <a:t>1/15/2024</a:t>
             </a:fld>
             <a:endParaRPr lang="en-US" dirty="0"/>
           </a:p>
@@ -778,7 +778,7 @@
     </p:spTree>
     <p:extLst>
       <p:ext uri="{BB962C8B-B14F-4D97-AF65-F5344CB8AC3E}">
-        <p14:creationId xmlns:p14="http://schemas.microsoft.com/office/powerpoint/2010/main" val="543105384"/>
+        <p14:creationId xmlns:p14="http://schemas.microsoft.com/office/powerpoint/2010/main" xmlns="" val="543105384"/>
       </p:ext>
     </p:extLst>
   </p:cSld>
@@ -1215,7 +1215,7 @@
             <a:fld id="{8DFA1846-DA80-1C48-A609-854EA85C59AD}" type="datetimeFigureOut">
               <a:rPr lang="en-US" dirty="0"/>
               <a:pPr/>
-              <a:t>1/11/2024</a:t>
+              <a:t>1/15/2024</a:t>
             </a:fld>
             <a:endParaRPr lang="en-US" dirty="0"/>
           </a:p>
@@ -1267,7 +1267,7 @@
     </p:spTree>
     <p:extLst>
       <p:ext uri="{BB962C8B-B14F-4D97-AF65-F5344CB8AC3E}">
-        <p14:creationId xmlns:p14="http://schemas.microsoft.com/office/powerpoint/2010/main" val="3155078059"/>
+        <p14:creationId xmlns:p14="http://schemas.microsoft.com/office/powerpoint/2010/main" xmlns="" val="3155078059"/>
       </p:ext>
     </p:extLst>
   </p:cSld>
@@ -1585,7 +1585,7 @@
             <a:fld id="{FBF54567-0DE4-3F47-BF90-CB84690072F9}" type="datetimeFigureOut">
               <a:rPr lang="en-US" dirty="0"/>
               <a:pPr/>
-              <a:t>1/11/2024</a:t>
+              <a:t>1/15/2024</a:t>
             </a:fld>
             <a:endParaRPr lang="en-US" dirty="0"/>
           </a:p>
@@ -1637,7 +1637,7 @@
     </p:spTree>
     <p:extLst>
       <p:ext uri="{BB962C8B-B14F-4D97-AF65-F5344CB8AC3E}">
-        <p14:creationId xmlns:p14="http://schemas.microsoft.com/office/powerpoint/2010/main" val="3965983520"/>
+        <p14:creationId xmlns:p14="http://schemas.microsoft.com/office/powerpoint/2010/main" xmlns="" val="3965983520"/>
       </p:ext>
     </p:extLst>
   </p:cSld>
@@ -1741,7 +1741,7 @@
           <a:ln/>
           <a:extLst>
             <a:ext uri="{91240B29-F687-4f45-9708-019B960494DF}">
-              <a14:hiddenLine xmlns="" xmlns:a14="http://schemas.microsoft.com/office/drawing/2010/main" w="9525">
+              <a14:hiddenLine xmlns:a14="http://schemas.microsoft.com/office/drawing/2010/main" xmlns="" w="9525">
                 <a:solidFill>
                   <a:srgbClr val="000000"/>
                 </a:solidFill>
@@ -1858,7 +1858,7 @@
             <a:fld id="{C6C52C72-DE31-F449-A4ED-4C594FD91407}" type="datetimeFigureOut">
               <a:rPr lang="en-US" dirty="0"/>
               <a:pPr/>
-              <a:t>1/11/2024</a:t>
+              <a:t>1/15/2024</a:t>
             </a:fld>
             <a:endParaRPr lang="en-US" dirty="0"/>
           </a:p>
@@ -1910,7 +1910,7 @@
     </p:spTree>
     <p:extLst>
       <p:ext uri="{BB962C8B-B14F-4D97-AF65-F5344CB8AC3E}">
-        <p14:creationId xmlns:p14="http://schemas.microsoft.com/office/powerpoint/2010/main" val="2906375923"/>
+        <p14:creationId xmlns:p14="http://schemas.microsoft.com/office/powerpoint/2010/main" xmlns="" val="2906375923"/>
       </p:ext>
     </p:extLst>
   </p:cSld>
@@ -2016,7 +2016,7 @@
           <a:ln/>
           <a:extLst>
             <a:ext uri="{91240B29-F687-4f45-9708-019B960494DF}">
-              <a14:hiddenLine xmlns="" xmlns:a14="http://schemas.microsoft.com/office/drawing/2010/main" w="9525">
+              <a14:hiddenLine xmlns:a14="http://schemas.microsoft.com/office/drawing/2010/main" xmlns="" w="9525">
                 <a:solidFill>
                   <a:srgbClr val="000000"/>
                 </a:solidFill>
@@ -2143,7 +2143,7 @@
             <a:fld id="{ED62726E-379B-B349-9EED-81ED093FA806}" type="datetimeFigureOut">
               <a:rPr lang="en-US" dirty="0"/>
               <a:pPr/>
-              <a:t>1/11/2024</a:t>
+              <a:t>1/15/2024</a:t>
             </a:fld>
             <a:endParaRPr lang="en-US" dirty="0"/>
           </a:p>
@@ -2195,7 +2195,7 @@
     </p:spTree>
     <p:extLst>
       <p:ext uri="{BB962C8B-B14F-4D97-AF65-F5344CB8AC3E}">
-        <p14:creationId xmlns:p14="http://schemas.microsoft.com/office/powerpoint/2010/main" val="1754832948"/>
+        <p14:creationId xmlns:p14="http://schemas.microsoft.com/office/powerpoint/2010/main" xmlns="" val="1754832948"/>
       </p:ext>
     </p:extLst>
   </p:cSld>
@@ -2299,7 +2299,7 @@
           <a:ln/>
           <a:extLst>
             <a:ext uri="{91240B29-F687-4f45-9708-019B960494DF}">
-              <a14:hiddenLine xmlns="" xmlns:a14="http://schemas.microsoft.com/office/drawing/2010/main" w="9525">
+              <a14:hiddenLine xmlns:a14="http://schemas.microsoft.com/office/drawing/2010/main" xmlns="" w="9525">
                 <a:solidFill>
                   <a:srgbClr val="000000"/>
                 </a:solidFill>
@@ -2426,7 +2426,7 @@
             <a:fld id="{9B3A1323-8D79-1946-B0D7-40001CF92E9D}" type="datetimeFigureOut">
               <a:rPr lang="en-US" dirty="0"/>
               <a:pPr/>
-              <a:t>1/11/2024</a:t>
+              <a:t>1/15/2024</a:t>
             </a:fld>
             <a:endParaRPr lang="en-US" dirty="0"/>
           </a:p>
@@ -2478,7 +2478,7 @@
     </p:spTree>
     <p:extLst>
       <p:ext uri="{BB962C8B-B14F-4D97-AF65-F5344CB8AC3E}">
-        <p14:creationId xmlns:p14="http://schemas.microsoft.com/office/powerpoint/2010/main" val="2624530298"/>
+        <p14:creationId xmlns:p14="http://schemas.microsoft.com/office/powerpoint/2010/main" xmlns="" val="2624530298"/>
       </p:ext>
     </p:extLst>
   </p:cSld>
@@ -2770,7 +2770,7 @@
             <a:fld id="{8DFA1846-DA80-1C48-A609-854EA85C59AD}" type="datetimeFigureOut">
               <a:rPr lang="en-US" dirty="0"/>
               <a:pPr/>
-              <a:t>1/11/2024</a:t>
+              <a:t>1/15/2024</a:t>
             </a:fld>
             <a:endParaRPr lang="en-US" dirty="0"/>
           </a:p>
@@ -2822,7 +2822,7 @@
     </p:spTree>
     <p:extLst>
       <p:ext uri="{BB962C8B-B14F-4D97-AF65-F5344CB8AC3E}">
-        <p14:creationId xmlns:p14="http://schemas.microsoft.com/office/powerpoint/2010/main" val="3666201704"/>
+        <p14:creationId xmlns:p14="http://schemas.microsoft.com/office/powerpoint/2010/main" xmlns="" val="3666201704"/>
       </p:ext>
     </p:extLst>
   </p:cSld>
@@ -2926,7 +2926,7 @@
           <a:ln/>
           <a:extLst>
             <a:ext uri="{91240B29-F687-4f45-9708-019B960494DF}">
-              <a14:hiddenLine xmlns="" xmlns:a14="http://schemas.microsoft.com/office/drawing/2010/main" w="9525">
+              <a14:hiddenLine xmlns:a14="http://schemas.microsoft.com/office/drawing/2010/main" xmlns="" w="9525">
                 <a:solidFill>
                   <a:srgbClr val="000000"/>
                 </a:solidFill>
@@ -3108,7 +3108,7 @@
             <a:fld id="{57302355-E14B-8545-A8F8-0FE83CC9D524}" type="datetimeFigureOut">
               <a:rPr lang="en-US" dirty="0"/>
               <a:pPr/>
-              <a:t>1/11/2024</a:t>
+              <a:t>1/15/2024</a:t>
             </a:fld>
             <a:endParaRPr lang="en-US" dirty="0"/>
           </a:p>
@@ -3160,7 +3160,7 @@
     </p:spTree>
     <p:extLst>
       <p:ext uri="{BB962C8B-B14F-4D97-AF65-F5344CB8AC3E}">
-        <p14:creationId xmlns:p14="http://schemas.microsoft.com/office/powerpoint/2010/main" val="2761684133"/>
+        <p14:creationId xmlns:p14="http://schemas.microsoft.com/office/powerpoint/2010/main" xmlns="" val="2761684133"/>
       </p:ext>
     </p:extLst>
   </p:cSld>
@@ -3264,7 +3264,7 @@
           <a:ln/>
           <a:extLst>
             <a:ext uri="{91240B29-F687-4f45-9708-019B960494DF}">
-              <a14:hiddenLine xmlns="" xmlns:a14="http://schemas.microsoft.com/office/drawing/2010/main" w="9525">
+              <a14:hiddenLine xmlns:a14="http://schemas.microsoft.com/office/drawing/2010/main" xmlns="" w="9525">
                 <a:solidFill>
                   <a:srgbClr val="000000"/>
                 </a:solidFill>
@@ -3584,7 +3584,7 @@
             <a:fld id="{02640F58-564D-2B4F-AE67-E407BA4FCF45}" type="datetimeFigureOut">
               <a:rPr lang="en-US" dirty="0"/>
               <a:pPr/>
-              <a:t>1/11/2024</a:t>
+              <a:t>1/15/2024</a:t>
             </a:fld>
             <a:endParaRPr lang="en-US" dirty="0"/>
           </a:p>
@@ -3636,7 +3636,7 @@
     </p:spTree>
     <p:extLst>
       <p:ext uri="{BB962C8B-B14F-4D97-AF65-F5344CB8AC3E}">
-        <p14:creationId xmlns:p14="http://schemas.microsoft.com/office/powerpoint/2010/main" val="2262827497"/>
+        <p14:creationId xmlns:p14="http://schemas.microsoft.com/office/powerpoint/2010/main" xmlns="" val="2262827497"/>
       </p:ext>
     </p:extLst>
   </p:cSld>
@@ -3740,7 +3740,7 @@
           <a:ln/>
           <a:extLst>
             <a:ext uri="{91240B29-F687-4f45-9708-019B960494DF}">
-              <a14:hiddenLine xmlns="" xmlns:a14="http://schemas.microsoft.com/office/drawing/2010/main" w="9525">
+              <a14:hiddenLine xmlns:a14="http://schemas.microsoft.com/office/drawing/2010/main" xmlns="" w="9525">
                 <a:solidFill>
                   <a:srgbClr val="000000"/>
                 </a:solidFill>
@@ -3806,7 +3806,7 @@
             <a:fld id="{F13A34C8-038E-2045-AF43-DF7DBB8E0E9E}" type="datetimeFigureOut">
               <a:rPr lang="en-US" dirty="0"/>
               <a:pPr/>
-              <a:t>1/11/2024</a:t>
+              <a:t>1/15/2024</a:t>
             </a:fld>
             <a:endParaRPr lang="en-US" dirty="0"/>
           </a:p>
@@ -3858,7 +3858,7 @@
     </p:spTree>
     <p:extLst>
       <p:ext uri="{BB962C8B-B14F-4D97-AF65-F5344CB8AC3E}">
-        <p14:creationId xmlns:p14="http://schemas.microsoft.com/office/powerpoint/2010/main" val="1140692960"/>
+        <p14:creationId xmlns:p14="http://schemas.microsoft.com/office/powerpoint/2010/main" xmlns="" val="1140692960"/>
       </p:ext>
     </p:extLst>
   </p:cSld>
@@ -3903,7 +3903,7 @@
             <a:fld id="{8818C68F-D26B-8F47-958C-23B49CF8A634}" type="datetimeFigureOut">
               <a:rPr lang="en-US" dirty="0"/>
               <a:pPr/>
-              <a:t>1/11/2024</a:t>
+              <a:t>1/15/2024</a:t>
             </a:fld>
             <a:endParaRPr lang="en-US" dirty="0"/>
           </a:p>
@@ -3955,7 +3955,7 @@
     </p:spTree>
     <p:extLst>
       <p:ext uri="{BB962C8B-B14F-4D97-AF65-F5344CB8AC3E}">
-        <p14:creationId xmlns:p14="http://schemas.microsoft.com/office/powerpoint/2010/main" val="360680272"/>
+        <p14:creationId xmlns:p14="http://schemas.microsoft.com/office/powerpoint/2010/main" xmlns="" val="360680272"/>
       </p:ext>
     </p:extLst>
   </p:cSld>
@@ -4172,7 +4172,7 @@
           <a:ln/>
           <a:extLst>
             <a:ext uri="{91240B29-F687-4f45-9708-019B960494DF}">
-              <a14:hiddenLine xmlns="" xmlns:a14="http://schemas.microsoft.com/office/drawing/2010/main" w="9525">
+              <a14:hiddenLine xmlns:a14="http://schemas.microsoft.com/office/drawing/2010/main" xmlns="" w="9525">
                 <a:solidFill>
                   <a:srgbClr val="000000"/>
                 </a:solidFill>
@@ -4370,7 +4370,7 @@
             <a:fld id="{D0DF5E60-9974-AC48-9591-99C2BB44B7CF}" type="datetimeFigureOut">
               <a:rPr lang="en-US" dirty="0"/>
               <a:pPr/>
-              <a:t>1/11/2024</a:t>
+              <a:t>1/15/2024</a:t>
             </a:fld>
             <a:endParaRPr lang="en-US" dirty="0"/>
           </a:p>
@@ -4422,7 +4422,7 @@
     </p:spTree>
     <p:extLst>
       <p:ext uri="{BB962C8B-B14F-4D97-AF65-F5344CB8AC3E}">
-        <p14:creationId xmlns:p14="http://schemas.microsoft.com/office/powerpoint/2010/main" val="2839189576"/>
+        <p14:creationId xmlns:p14="http://schemas.microsoft.com/office/powerpoint/2010/main" xmlns="" val="2839189576"/>
       </p:ext>
     </p:extLst>
   </p:cSld>
@@ -4680,7 +4680,7 @@
             <a:fld id="{18C79C5D-2A6F-F04D-97DA-BEF2467B64E4}" type="datetimeFigureOut">
               <a:rPr lang="en-US" dirty="0"/>
               <a:pPr/>
-              <a:t>1/11/2024</a:t>
+              <a:t>1/15/2024</a:t>
             </a:fld>
             <a:endParaRPr lang="en-US" dirty="0"/>
           </a:p>
@@ -4742,7 +4742,7 @@
     </p:spTree>
     <p:extLst>
       <p:ext uri="{BB962C8B-B14F-4D97-AF65-F5344CB8AC3E}">
-        <p14:creationId xmlns:p14="http://schemas.microsoft.com/office/powerpoint/2010/main" val="1524185228"/>
+        <p14:creationId xmlns:p14="http://schemas.microsoft.com/office/powerpoint/2010/main" xmlns="" val="1524185228"/>
       </p:ext>
     </p:extLst>
   </p:cSld>
@@ -4950,7 +4950,7 @@
             <a:fld id="{09B482E8-6E0E-1B4F-B1FD-C69DB9E858D9}" type="datetimeFigureOut">
               <a:rPr lang="en-US" dirty="0"/>
               <a:pPr/>
-              <a:t>1/11/2024</a:t>
+              <a:t>1/15/2024</a:t>
             </a:fld>
             <a:endParaRPr lang="en-US" dirty="0"/>
           </a:p>
@@ -4999,7 +4999,7 @@
     </p:spTree>
     <p:extLst>
       <p:ext uri="{BB962C8B-B14F-4D97-AF65-F5344CB8AC3E}">
-        <p14:creationId xmlns:p14="http://schemas.microsoft.com/office/powerpoint/2010/main" val="1643764000"/>
+        <p14:creationId xmlns:p14="http://schemas.microsoft.com/office/powerpoint/2010/main" xmlns="" val="1643764000"/>
       </p:ext>
     </p:extLst>
   </p:cSld>
@@ -5467,7 +5467,7 @@
     </p:spTree>
     <p:extLst>
       <p:ext uri="{BB962C8B-B14F-4D97-AF65-F5344CB8AC3E}">
-        <p14:creationId xmlns:p14="http://schemas.microsoft.com/office/powerpoint/2010/main" val="1351651579"/>
+        <p14:creationId xmlns:p14="http://schemas.microsoft.com/office/powerpoint/2010/main" xmlns="" val="1351651579"/>
       </p:ext>
     </p:extLst>
   </p:cSld>
@@ -5499,7 +5499,7 @@
           <p:cNvPr id="2" name="Заголовок 1">
             <a:extLst>
               <a:ext uri="{FF2B5EF4-FFF2-40B4-BE49-F238E27FC236}">
-                <a16:creationId xmlns:a16="http://schemas.microsoft.com/office/drawing/2014/main" id="{ABDA6BEC-1458-902D-4A94-C5EC924278F0}"/>
+                <a16:creationId xmlns:a16="http://schemas.microsoft.com/office/drawing/2014/main" xmlns="" id="{ABDA6BEC-1458-902D-4A94-C5EC924278F0}"/>
               </a:ext>
             </a:extLst>
           </p:cNvPr>
@@ -5558,7 +5558,7 @@
           <p:cNvPr id="3" name="Объект 2">
             <a:extLst>
               <a:ext uri="{FF2B5EF4-FFF2-40B4-BE49-F238E27FC236}">
-                <a16:creationId xmlns:a16="http://schemas.microsoft.com/office/drawing/2014/main" id="{5EB06662-6210-0F9B-76D7-0449EA95B23B}"/>
+                <a16:creationId xmlns:a16="http://schemas.microsoft.com/office/drawing/2014/main" xmlns="" id="{5EB06662-6210-0F9B-76D7-0449EA95B23B}"/>
               </a:ext>
             </a:extLst>
           </p:cNvPr>
@@ -5672,7 +5672,7 @@
     </p:spTree>
     <p:extLst>
       <p:ext uri="{BB962C8B-B14F-4D97-AF65-F5344CB8AC3E}">
-        <p14:creationId xmlns:p14="http://schemas.microsoft.com/office/powerpoint/2010/main" val="2189657236"/>
+        <p14:creationId xmlns:p14="http://schemas.microsoft.com/office/powerpoint/2010/main" xmlns="" val="2189657236"/>
       </p:ext>
     </p:extLst>
   </p:cSld>
@@ -5704,7 +5704,7 @@
           <p:cNvPr id="2" name="Заголовок 1">
             <a:extLst>
               <a:ext uri="{FF2B5EF4-FFF2-40B4-BE49-F238E27FC236}">
-                <a16:creationId xmlns:a16="http://schemas.microsoft.com/office/drawing/2014/main" id="{313C4184-CCB5-9C4E-DFED-E00D69FDFD27}"/>
+                <a16:creationId xmlns:a16="http://schemas.microsoft.com/office/drawing/2014/main" xmlns="" id="{313C4184-CCB5-9C4E-DFED-E00D69FDFD27}"/>
               </a:ext>
             </a:extLst>
           </p:cNvPr>
@@ -5740,7 +5740,7 @@
           <p:cNvPr id="3" name="Объект 2">
             <a:extLst>
               <a:ext uri="{FF2B5EF4-FFF2-40B4-BE49-F238E27FC236}">
-                <a16:creationId xmlns:a16="http://schemas.microsoft.com/office/drawing/2014/main" id="{644C4583-FDDB-8B74-B7F0-2807C0033AF2}"/>
+                <a16:creationId xmlns:a16="http://schemas.microsoft.com/office/drawing/2014/main" xmlns="" id="{644C4583-FDDB-8B74-B7F0-2807C0033AF2}"/>
               </a:ext>
             </a:extLst>
           </p:cNvPr>
@@ -5816,7 +5816,7 @@
           <p:cNvPr id="4" name="Рисунок 3" descr="Изображение выглядит как текст, снимок экрана, Шрифт, черный&#10;&#10;Автоматически созданное описание">
             <a:extLst>
               <a:ext uri="{FF2B5EF4-FFF2-40B4-BE49-F238E27FC236}">
-                <a16:creationId xmlns:a16="http://schemas.microsoft.com/office/drawing/2014/main" id="{B15A2E09-FD7D-F1BD-655C-6F7FDD367D67}"/>
+                <a16:creationId xmlns:a16="http://schemas.microsoft.com/office/drawing/2014/main" xmlns="" id="{B15A2E09-FD7D-F1BD-655C-6F7FDD367D67}"/>
               </a:ext>
             </a:extLst>
           </p:cNvPr>
@@ -5844,13 +5844,20 @@
     </p:spTree>
     <p:extLst>
       <p:ext uri="{BB962C8B-B14F-4D97-AF65-F5344CB8AC3E}">
-        <p14:creationId xmlns:p14="http://schemas.microsoft.com/office/powerpoint/2010/main" val="1521152502"/>
+        <p14:creationId xmlns:p14="http://schemas.microsoft.com/office/powerpoint/2010/main" xmlns="" val="1521152502"/>
       </p:ext>
     </p:extLst>
   </p:cSld>
   <p:clrMapOvr>
     <a:masterClrMapping/>
   </p:clrMapOvr>
+  <p:timing>
+    <p:tnLst>
+      <p:par>
+        <p:cTn id="1" dur="indefinite" restart="never" nodeType="tmRoot"/>
+      </p:par>
+    </p:tnLst>
+  </p:timing>
 </p:sld>
 </file>
 
@@ -5876,7 +5883,7 @@
           <p:cNvPr id="2" name="Заголовок 1">
             <a:extLst>
               <a:ext uri="{FF2B5EF4-FFF2-40B4-BE49-F238E27FC236}">
-                <a16:creationId xmlns:a16="http://schemas.microsoft.com/office/drawing/2014/main" id="{8EE2DA6C-8E36-BA2B-550E-3F4C24043AE8}"/>
+                <a16:creationId xmlns:a16="http://schemas.microsoft.com/office/drawing/2014/main" xmlns="" id="{8EE2DA6C-8E36-BA2B-550E-3F4C24043AE8}"/>
               </a:ext>
             </a:extLst>
           </p:cNvPr>
@@ -5907,7 +5914,7 @@
           <p:cNvPr id="4" name="Объект 3" descr="Изображение выглядит как текст, число, Шрифт, снимок экрана&#10;&#10;Автоматически созданное описание">
             <a:extLst>
               <a:ext uri="{FF2B5EF4-FFF2-40B4-BE49-F238E27FC236}">
-                <a16:creationId xmlns:a16="http://schemas.microsoft.com/office/drawing/2014/main" id="{2C1D5177-E746-6D90-0F98-043CEC2FF937}"/>
+                <a16:creationId xmlns:a16="http://schemas.microsoft.com/office/drawing/2014/main" xmlns="" id="{2C1D5177-E746-6D90-0F98-043CEC2FF937}"/>
               </a:ext>
             </a:extLst>
           </p:cNvPr>
@@ -5936,7 +5943,7 @@
           <p:cNvPr id="5" name="Рисунок 4" descr="Изображение выглядит как текст, снимок экрана, число, Шрифт&#10;&#10;Автоматически созданное описание">
             <a:extLst>
               <a:ext uri="{FF2B5EF4-FFF2-40B4-BE49-F238E27FC236}">
-                <a16:creationId xmlns:a16="http://schemas.microsoft.com/office/drawing/2014/main" id="{D0242687-6F78-9238-8579-119E37E392E8}"/>
+                <a16:creationId xmlns:a16="http://schemas.microsoft.com/office/drawing/2014/main" xmlns="" id="{D0242687-6F78-9238-8579-119E37E392E8}"/>
               </a:ext>
             </a:extLst>
           </p:cNvPr>
@@ -5964,13 +5971,20 @@
     </p:spTree>
     <p:extLst>
       <p:ext uri="{BB962C8B-B14F-4D97-AF65-F5344CB8AC3E}">
-        <p14:creationId xmlns:p14="http://schemas.microsoft.com/office/powerpoint/2010/main" val="2804791138"/>
+        <p14:creationId xmlns:p14="http://schemas.microsoft.com/office/powerpoint/2010/main" xmlns="" val="2804791138"/>
       </p:ext>
     </p:extLst>
   </p:cSld>
   <p:clrMapOvr>
     <a:masterClrMapping/>
   </p:clrMapOvr>
+  <p:timing>
+    <p:tnLst>
+      <p:par>
+        <p:cTn id="1" dur="indefinite" restart="never" nodeType="tmRoot"/>
+      </p:par>
+    </p:tnLst>
+  </p:timing>
 </p:sld>
 </file>
 
@@ -5996,7 +6010,7 @@
           <p:cNvPr id="2" name="Заголовок 1">
             <a:extLst>
               <a:ext uri="{FF2B5EF4-FFF2-40B4-BE49-F238E27FC236}">
-                <a16:creationId xmlns:a16="http://schemas.microsoft.com/office/drawing/2014/main" id="{ED8CD2F1-154E-C240-C8E8-825E671728CB}"/>
+                <a16:creationId xmlns:a16="http://schemas.microsoft.com/office/drawing/2014/main" xmlns="" id="{ED8CD2F1-154E-C240-C8E8-825E671728CB}"/>
               </a:ext>
             </a:extLst>
           </p:cNvPr>
@@ -6022,41 +6036,195 @@
           </a:p>
         </p:txBody>
       </p:sp>
-      <p:sp>
-        <p:nvSpPr>
-          <p:cNvPr id="3" name="Объект 2">
-            <a:extLst>
-              <a:ext uri="{FF2B5EF4-FFF2-40B4-BE49-F238E27FC236}">
-                <a16:creationId xmlns:a16="http://schemas.microsoft.com/office/drawing/2014/main" id="{54320129-D555-D3C2-1E83-BF5B01CFD53F}"/>
-              </a:ext>
-            </a:extLst>
+      <p:pic>
+        <p:nvPicPr>
+          <p:cNvPr id="8" name="video_2024-01-15_22-36-05.mp4">
+            <a:hlinkClick r:id="" action="ppaction://media"/>
           </p:cNvPr>
-          <p:cNvSpPr>
-            <a:spLocks noGrp="1"/>
-          </p:cNvSpPr>
+          <p:cNvPicPr>
+            <a:picLocks noGrp="1" noRot="1" noChangeAspect="1"/>
+          </p:cNvPicPr>
           <p:nvPr>
             <p:ph idx="1"/>
-          </p:nvPr>
-        </p:nvSpPr>
-        <p:spPr/>
-        <p:txBody>
-          <a:bodyPr/>
-          <a:lstStyle/>
-          <a:p>
-            <a:endParaRPr lang="ru-RU"/>
-          </a:p>
-        </p:txBody>
-      </p:sp>
+            <a:videoFile r:link="rId1"/>
+          </p:nvPr>
+        </p:nvPicPr>
+        <p:blipFill>
+          <a:blip r:embed="rId3"/>
+          <a:stretch>
+            <a:fillRect/>
+          </a:stretch>
+        </p:blipFill>
+        <p:spPr>
+          <a:xfrm>
+            <a:off x="3066585" y="-1"/>
+            <a:ext cx="9125415" cy="6844061"/>
+          </a:xfrm>
+          <a:prstGeom prst="rect">
+            <a:avLst/>
+          </a:prstGeom>
+        </p:spPr>
+      </p:pic>
     </p:spTree>
     <p:extLst>
       <p:ext uri="{BB962C8B-B14F-4D97-AF65-F5344CB8AC3E}">
-        <p14:creationId xmlns:p14="http://schemas.microsoft.com/office/powerpoint/2010/main" val="2482889876"/>
+        <p14:creationId xmlns:p14="http://schemas.microsoft.com/office/powerpoint/2010/main" xmlns="" val="2482889876"/>
       </p:ext>
     </p:extLst>
   </p:cSld>
   <p:clrMapOvr>
     <a:masterClrMapping/>
   </p:clrMapOvr>
+  <p:timing>
+    <p:tnLst>
+      <p:par>
+        <p:cTn id="1" dur="indefinite" restart="never" nodeType="tmRoot">
+          <p:childTnLst>
+            <p:seq concurrent="1" nextAc="seek">
+              <p:cTn id="2" dur="indefinite" nodeType="mainSeq">
+                <p:childTnLst>
+                  <p:par>
+                    <p:cTn id="3" fill="hold">
+                      <p:stCondLst>
+                        <p:cond delay="indefinite"/>
+                        <p:cond evt="onBegin" delay="0">
+                          <p:tn val="2"/>
+                        </p:cond>
+                      </p:stCondLst>
+                      <p:childTnLst>
+                        <p:par>
+                          <p:cTn id="4" fill="hold">
+                            <p:stCondLst>
+                              <p:cond delay="0"/>
+                            </p:stCondLst>
+                            <p:childTnLst>
+                              <p:par>
+                                <p:cTn id="5" presetID="1" presetClass="mediacall" presetSubtype="0" fill="hold" nodeType="afterEffect">
+                                  <p:stCondLst>
+                                    <p:cond delay="0"/>
+                                  </p:stCondLst>
+                                  <p:childTnLst>
+                                    <p:cmd type="call" cmd="playFrom(0.0)">
+                                      <p:cBhvr>
+                                        <p:cTn id="6" dur="1" fill="hold"/>
+                                        <p:tgtEl>
+                                          <p:spTgt spid="8"/>
+                                        </p:tgtEl>
+                                      </p:cBhvr>
+                                    </p:cmd>
+                                  </p:childTnLst>
+                                </p:cTn>
+                              </p:par>
+                            </p:childTnLst>
+                          </p:cTn>
+                        </p:par>
+                      </p:childTnLst>
+                    </p:cTn>
+                  </p:par>
+                </p:childTnLst>
+              </p:cTn>
+              <p:prevCondLst>
+                <p:cond evt="onPrev" delay="0">
+                  <p:tgtEl>
+                    <p:sldTgt/>
+                  </p:tgtEl>
+                </p:cond>
+              </p:prevCondLst>
+              <p:nextCondLst>
+                <p:cond evt="onNext" delay="0">
+                  <p:tgtEl>
+                    <p:sldTgt/>
+                  </p:tgtEl>
+                </p:cond>
+              </p:nextCondLst>
+            </p:seq>
+            <p:video>
+              <p:cMediaNode>
+                <p:cTn id="7" fill="hold" display="0">
+                  <p:stCondLst>
+                    <p:cond delay="indefinite"/>
+                  </p:stCondLst>
+                  <p:endCondLst>
+                    <p:cond evt="onNext" delay="0">
+                      <p:tgtEl>
+                        <p:sldTgt/>
+                      </p:tgtEl>
+                    </p:cond>
+                    <p:cond evt="onPrev" delay="0">
+                      <p:tgtEl>
+                        <p:sldTgt/>
+                      </p:tgtEl>
+                    </p:cond>
+                  </p:endCondLst>
+                </p:cTn>
+                <p:tgtEl>
+                  <p:spTgt spid="8"/>
+                </p:tgtEl>
+              </p:cMediaNode>
+            </p:video>
+            <p:seq concurrent="1" nextAc="seek">
+              <p:cTn id="8" restart="whenNotActive" fill="hold" evtFilter="cancelBubble" nodeType="interactiveSeq">
+                <p:stCondLst>
+                  <p:cond evt="onClick" delay="0">
+                    <p:tgtEl>
+                      <p:spTgt spid="8"/>
+                    </p:tgtEl>
+                  </p:cond>
+                </p:stCondLst>
+                <p:endSync evt="end" delay="0">
+                  <p:rtn val="all"/>
+                </p:endSync>
+                <p:childTnLst>
+                  <p:par>
+                    <p:cTn id="9" fill="hold">
+                      <p:stCondLst>
+                        <p:cond delay="0"/>
+                      </p:stCondLst>
+                      <p:childTnLst>
+                        <p:par>
+                          <p:cTn id="10" fill="hold">
+                            <p:stCondLst>
+                              <p:cond delay="0"/>
+                            </p:stCondLst>
+                            <p:childTnLst>
+                              <p:par>
+                                <p:cTn id="11" presetID="2" presetClass="mediacall" presetSubtype="0" fill="hold" nodeType="clickEffect">
+                                  <p:stCondLst>
+                                    <p:cond delay="0"/>
+                                  </p:stCondLst>
+                                  <p:childTnLst>
+                                    <p:cmd type="call" cmd="togglePause">
+                                      <p:cBhvr>
+                                        <p:cTn id="12" dur="1" fill="hold"/>
+                                        <p:tgtEl>
+                                          <p:spTgt spid="8"/>
+                                        </p:tgtEl>
+                                      </p:cBhvr>
+                                    </p:cmd>
+                                  </p:childTnLst>
+                                </p:cTn>
+                              </p:par>
+                            </p:childTnLst>
+                          </p:cTn>
+                        </p:par>
+                      </p:childTnLst>
+                    </p:cTn>
+                  </p:par>
+                </p:childTnLst>
+              </p:cTn>
+              <p:nextCondLst>
+                <p:cond evt="onClick" delay="0">
+                  <p:tgtEl>
+                    <p:spTgt spid="8"/>
+                  </p:tgtEl>
+                </p:cond>
+              </p:nextCondLst>
+            </p:seq>
+          </p:childTnLst>
+        </p:cTn>
+      </p:par>
+    </p:tnLst>
+  </p:timing>
 </p:sld>
 </file>
 
@@ -6082,7 +6250,7 @@
           <p:cNvPr id="2" name="Заголовок 1">
             <a:extLst>
               <a:ext uri="{FF2B5EF4-FFF2-40B4-BE49-F238E27FC236}">
-                <a16:creationId xmlns:a16="http://schemas.microsoft.com/office/drawing/2014/main" id="{2B00311F-8E93-2FA8-5354-CC47372B6AA6}"/>
+                <a16:creationId xmlns:a16="http://schemas.microsoft.com/office/drawing/2014/main" xmlns="" id="{2B00311F-8E93-2FA8-5354-CC47372B6AA6}"/>
               </a:ext>
             </a:extLst>
           </p:cNvPr>
@@ -6107,7 +6275,7 @@
           <p:cNvPr id="3" name="Объект 2">
             <a:extLst>
               <a:ext uri="{FF2B5EF4-FFF2-40B4-BE49-F238E27FC236}">
-                <a16:creationId xmlns:a16="http://schemas.microsoft.com/office/drawing/2014/main" id="{6846BD51-2DFB-1EF7-A9B6-B5987F3F435F}"/>
+                <a16:creationId xmlns:a16="http://schemas.microsoft.com/office/drawing/2014/main" xmlns="" id="{6846BD51-2DFB-1EF7-A9B6-B5987F3F435F}"/>
               </a:ext>
             </a:extLst>
           </p:cNvPr>
@@ -6141,13 +6309,20 @@
     </p:spTree>
     <p:extLst>
       <p:ext uri="{BB962C8B-B14F-4D97-AF65-F5344CB8AC3E}">
-        <p14:creationId xmlns:p14="http://schemas.microsoft.com/office/powerpoint/2010/main" val="1577003455"/>
+        <p14:creationId xmlns:p14="http://schemas.microsoft.com/office/powerpoint/2010/main" xmlns="" val="1577003455"/>
       </p:ext>
     </p:extLst>
   </p:cSld>
   <p:clrMapOvr>
     <a:masterClrMapping/>
   </p:clrMapOvr>
+  <p:timing>
+    <p:tnLst>
+      <p:par>
+        <p:cTn id="1" dur="indefinite" restart="never" nodeType="tmRoot"/>
+      </p:par>
+    </p:tnLst>
+  </p:timing>
 </p:sld>
 </file>
 
@@ -6194,7 +6369,7 @@
     </a:clrScheme>
     <a:fontScheme name="Quotable">
       <a:majorFont>
-        <a:latin typeface="Century Gothic" panose="020B0502020202020204"/>
+        <a:latin typeface="Century Gothic"/>
         <a:ea typeface=""/>
         <a:cs typeface=""/>
         <a:font script="Jpan" typeface="ＭＳ ゴシック"/>
@@ -6229,7 +6404,7 @@
         <a:font script="Geor" typeface="Sylfaen"/>
       </a:majorFont>
       <a:minorFont>
-        <a:latin typeface="Century Gothic" panose="020B0502020202020204"/>
+        <a:latin typeface="Century Gothic"/>
         <a:ea typeface=""/>
         <a:cs typeface=""/>
         <a:font script="Jpan" typeface="ＭＳ ゴシック"/>
@@ -6382,7 +6557,7 @@
   <a:extraClrSchemeLst/>
   <a:extLst>
     <a:ext uri="{05A4C25C-085E-4340-85A3-A5531E510DB2}">
-      <thm15:themeFamily xmlns:thm15="http://schemas.microsoft.com/office/thememl/2012/main" name="Quotable" id="{39EC5628-30ED-4578-ACD8-9820EDB8E15A}" vid="{6F3559E9-1A4C-49D8-94D4-F41003531C49}"/>
+      <thm15:themeFamily xmlns:thm15="http://schemas.microsoft.com/office/thememl/2012/main" xmlns="" name="Quotable" id="{39EC5628-30ED-4578-ACD8-9820EDB8E15A}" vid="{6F3559E9-1A4C-49D8-94D4-F41003531C49}"/>
     </a:ext>
   </a:extLst>
 </a:theme>
